--- a/Stroke Prediction Presentation.pptx
+++ b/Stroke Prediction Presentation.pptx
@@ -158,6 +158,53 @@
 
 <file path=ppt/changesInfos/changesInfo1.xml><?xml version="1.0" encoding="utf-8"?>
 <pc:chgInfo xmlns:a="http://schemas.openxmlformats.org/drawingml/2006/main" xmlns:r="http://schemas.openxmlformats.org/officeDocument/2006/relationships" xmlns:ac="http://schemas.microsoft.com/office/drawing/2013/main/command" xmlns:pc="http://schemas.microsoft.com/office/powerpoint/2013/main/command">
+  <pc:docChgLst>
+    <pc:chgData name="Darryl" userId="0cd68e2995275aa1" providerId="LiveId" clId="{05D1F090-1C60-4C79-B90C-805A73254C4C}"/>
+    <pc:docChg chg="undo custSel modSld">
+      <pc:chgData name="Darryl" userId="0cd68e2995275aa1" providerId="LiveId" clId="{05D1F090-1C60-4C79-B90C-805A73254C4C}" dt="2022-06-01T21:55:14.799" v="394" actId="20577"/>
+      <pc:docMkLst>
+        <pc:docMk/>
+      </pc:docMkLst>
+      <pc:sldChg chg="modSp mod">
+        <pc:chgData name="Darryl" userId="0cd68e2995275aa1" providerId="LiveId" clId="{05D1F090-1C60-4C79-B90C-805A73254C4C}" dt="2022-06-01T21:53:06.795" v="251" actId="20577"/>
+        <pc:sldMkLst>
+          <pc:docMk/>
+          <pc:sldMk cId="4156191475" sldId="285"/>
+        </pc:sldMkLst>
+        <pc:spChg chg="mod">
+          <ac:chgData name="Darryl" userId="0cd68e2995275aa1" providerId="LiveId" clId="{05D1F090-1C60-4C79-B90C-805A73254C4C}" dt="2022-06-01T21:53:06.795" v="251" actId="20577"/>
+          <ac:spMkLst>
+            <pc:docMk/>
+            <pc:sldMk cId="4156191475" sldId="285"/>
+            <ac:spMk id="3" creationId="{5FFFD21F-398B-428C-8518-8F0B6EE1F65D}"/>
+          </ac:spMkLst>
+        </pc:spChg>
+      </pc:sldChg>
+      <pc:sldChg chg="modSp mod">
+        <pc:chgData name="Darryl" userId="0cd68e2995275aa1" providerId="LiveId" clId="{05D1F090-1C60-4C79-B90C-805A73254C4C}" dt="2022-06-01T21:55:14.799" v="394" actId="20577"/>
+        <pc:sldMkLst>
+          <pc:docMk/>
+          <pc:sldMk cId="1837271489" sldId="290"/>
+        </pc:sldMkLst>
+        <pc:spChg chg="mod">
+          <ac:chgData name="Darryl" userId="0cd68e2995275aa1" providerId="LiveId" clId="{05D1F090-1C60-4C79-B90C-805A73254C4C}" dt="2022-06-01T21:55:14.799" v="394" actId="20577"/>
+          <ac:spMkLst>
+            <pc:docMk/>
+            <pc:sldMk cId="1837271489" sldId="290"/>
+            <ac:spMk id="8" creationId="{FB742ED9-E6DB-4AC7-8009-350F4D7DFE7A}"/>
+          </ac:spMkLst>
+        </pc:spChg>
+        <pc:picChg chg="mod">
+          <ac:chgData name="Darryl" userId="0cd68e2995275aa1" providerId="LiveId" clId="{05D1F090-1C60-4C79-B90C-805A73254C4C}" dt="2022-06-01T21:54:53.837" v="336" actId="14100"/>
+          <ac:picMkLst>
+            <pc:docMk/>
+            <pc:sldMk cId="1837271489" sldId="290"/>
+            <ac:picMk id="16" creationId="{5DF38717-E36F-4CF5-A164-ADD524A0B306}"/>
+          </ac:picMkLst>
+        </pc:picChg>
+      </pc:sldChg>
+    </pc:docChg>
+  </pc:docChgLst>
   <pc:docChgLst>
     <pc:chgData name="Darryl Rusli" userId="0cd68e2995275aa1" providerId="LiveId" clId="{6756C24B-B97E-4A50-954F-2BBC7FBE363D}"/>
     <pc:docChg chg="modSld">
@@ -3069,7 +3116,7 @@
           <a:p>
             <a:fld id="{043B725B-653D-4166-A8E9-72A38A1847CF}" type="datetimeFigureOut">
               <a:rPr lang="en-US"/>
-              <a:t>5/13/2022</a:t>
+              <a:t>6/2/2022</a:t>
             </a:fld>
             <a:endParaRPr/>
           </a:p>
@@ -3234,7 +3281,7 @@
           <a:p>
             <a:fld id="{783F64CD-0576-4A9A-BD06-7889D6E60BDC}" type="datetimeFigureOut">
               <a:rPr lang="en-US"/>
-              <a:t>5/13/2022</a:t>
+              <a:t>6/2/2022</a:t>
             </a:fld>
             <a:endParaRPr/>
           </a:p>
@@ -3832,7 +3879,7 @@
           <a:p>
             <a:fld id="{37CC0096-1860-4642-9CD2-0079EA5E7CD1}" type="datetimeFigureOut">
               <a:rPr lang="en-US"/>
-              <a:t>5/13/2022</a:t>
+              <a:t>6/2/2022</a:t>
             </a:fld>
             <a:endParaRPr/>
           </a:p>
@@ -4081,7 +4128,7 @@
           <a:p>
             <a:fld id="{37CC0096-1860-4642-9CD2-0079EA5E7CD1}" type="datetimeFigureOut">
               <a:rPr lang="en-US"/>
-              <a:t>5/13/2022</a:t>
+              <a:t>6/2/2022</a:t>
             </a:fld>
             <a:endParaRPr/>
           </a:p>
@@ -4267,7 +4314,7 @@
           <a:p>
             <a:fld id="{37CC0096-1860-4642-9CD2-0079EA5E7CD1}" type="datetimeFigureOut">
               <a:rPr lang="en-US"/>
-              <a:t>5/13/2022</a:t>
+              <a:t>6/2/2022</a:t>
             </a:fld>
             <a:endParaRPr/>
           </a:p>
@@ -4798,7 +4845,7 @@
           <a:p>
             <a:fld id="{37CC0096-1860-4642-9CD2-0079EA5E7CD1}" type="datetimeFigureOut">
               <a:rPr lang="en-US"/>
-              <a:t>5/13/2022</a:t>
+              <a:t>6/2/2022</a:t>
             </a:fld>
             <a:endParaRPr/>
           </a:p>
@@ -5250,7 +5297,7 @@
           <a:p>
             <a:fld id="{37CC0096-1860-4642-9CD2-0079EA5E7CD1}" type="datetimeFigureOut">
               <a:rPr lang="en-US"/>
-              <a:t>5/13/2022</a:t>
+              <a:t>6/2/2022</a:t>
             </a:fld>
             <a:endParaRPr/>
           </a:p>
@@ -5380,7 +5427,7 @@
           <a:p>
             <a:fld id="{37CC0096-1860-4642-9CD2-0079EA5E7CD1}" type="datetimeFigureOut">
               <a:rPr lang="en-US"/>
-              <a:t>5/13/2022</a:t>
+              <a:t>6/2/2022</a:t>
             </a:fld>
             <a:endParaRPr/>
           </a:p>
@@ -5487,7 +5534,7 @@
           <a:p>
             <a:fld id="{37CC0096-1860-4642-9CD2-0079EA5E7CD1}" type="datetimeFigureOut">
               <a:rPr lang="en-US"/>
-              <a:t>5/13/2022</a:t>
+              <a:t>6/2/2022</a:t>
             </a:fld>
             <a:endParaRPr/>
           </a:p>
@@ -6476,7 +6523,7 @@
             <a:fld id="{37CC0096-1860-4642-9CD2-0079EA5E7CD1}" type="datetimeFigureOut">
               <a:rPr lang="en-US" smtClean="0"/>
               <a:pPr/>
-              <a:t>5/13/2022</a:t>
+              <a:t>6/2/2022</a:t>
             </a:fld>
             <a:endParaRPr lang="en-US" dirty="0"/>
           </a:p>
@@ -10379,7 +10426,9 @@
           </a:xfrm>
         </p:spPr>
         <p:txBody>
-          <a:bodyPr/>
+          <a:bodyPr>
+            <a:normAutofit fontScale="92500"/>
+          </a:bodyPr>
           <a:lstStyle/>
           <a:p>
             <a:r>
@@ -10403,6 +10452,12 @@
             <a:r>
               <a:rPr lang="en-AU" dirty="0"/>
               <a:t>Majority patients with the health history such as heart disease or hypertension doesn’t have stroke.</a:t>
+            </a:r>
+          </a:p>
+          <a:p>
+            <a:r>
+              <a:rPr lang="en-AU" dirty="0"/>
+              <a:t>To reduce the chance of having stroke: you have to look after your health when you were under 60 and do not smoke</a:t>
             </a:r>
           </a:p>
           <a:p>
@@ -10978,8 +11033,8 @@
         </p:nvSpPr>
         <p:spPr>
           <a:xfrm>
-            <a:off x="1066800" y="1700808"/>
-            <a:ext cx="9144000" cy="4572001"/>
+            <a:off x="1066799" y="1741342"/>
+            <a:ext cx="10637754" cy="4749454"/>
           </a:xfrm>
         </p:spPr>
         <p:txBody>
@@ -10990,19 +11045,31 @@
           <a:p>
             <a:r>
               <a:rPr lang="en-AU" sz="1600" dirty="0"/>
-              <a:t>Is stroke likely to happen on patient based on gender, age, any association disease like hypertension or heart disease, work type and smoking status?</a:t>
+              <a:t>Business Question:</a:t>
             </a:r>
           </a:p>
           <a:p>
             <a:pPr lvl="1"/>
             <a:r>
               <a:rPr lang="en-AU" sz="1400" dirty="0"/>
-              <a:t>Reason of asking question: age, gender, smoking status, and hypertension are the major risk factor.</a:t>
-            </a:r>
+              <a:t>How do you reduce the chance of </a:t>
+            </a:r>
+            <a:r>
+              <a:rPr lang="en-AU" sz="1400"/>
+              <a:t>having stroke?</a:t>
+            </a:r>
+            <a:endParaRPr lang="en-AU" sz="1400" dirty="0"/>
           </a:p>
           <a:p>
             <a:r>
               <a:rPr lang="en-AU" sz="1600" dirty="0"/>
+              <a:t>Data Question:</a:t>
+            </a:r>
+          </a:p>
+          <a:p>
+            <a:pPr lvl="1"/>
+            <a:r>
+              <a:rPr lang="en-AU" sz="1400" dirty="0"/>
               <a:t>What is the best predictive model to predict stroke?</a:t>
             </a:r>
           </a:p>
@@ -11036,8 +11103,8 @@
         </p:blipFill>
         <p:spPr>
           <a:xfrm>
-            <a:off x="1199456" y="2965252"/>
-            <a:ext cx="7551390" cy="3575570"/>
+            <a:off x="1199456" y="3063064"/>
+            <a:ext cx="7704856" cy="3648236"/>
           </a:xfrm>
           <a:prstGeom prst="rect">
             <a:avLst/>

--- a/Stroke Prediction Presentation.pptx
+++ b/Stroke Prediction Presentation.pptx
@@ -154,82 +154,6 @@
     </p:ext>
   </p:extLst>
 </p:presentation>
-</file>
-
-<file path=ppt/changesInfos/changesInfo1.xml><?xml version="1.0" encoding="utf-8"?>
-<pc:chgInfo xmlns:a="http://schemas.openxmlformats.org/drawingml/2006/main" xmlns:r="http://schemas.openxmlformats.org/officeDocument/2006/relationships" xmlns:ac="http://schemas.microsoft.com/office/drawing/2013/main/command" xmlns:pc="http://schemas.microsoft.com/office/powerpoint/2013/main/command">
-  <pc:docChgLst>
-    <pc:chgData name="Darryl" userId="0cd68e2995275aa1" providerId="LiveId" clId="{05D1F090-1C60-4C79-B90C-805A73254C4C}"/>
-    <pc:docChg chg="undo custSel modSld">
-      <pc:chgData name="Darryl" userId="0cd68e2995275aa1" providerId="LiveId" clId="{05D1F090-1C60-4C79-B90C-805A73254C4C}" dt="2022-06-01T21:55:14.799" v="394" actId="20577"/>
-      <pc:docMkLst>
-        <pc:docMk/>
-      </pc:docMkLst>
-      <pc:sldChg chg="modSp mod">
-        <pc:chgData name="Darryl" userId="0cd68e2995275aa1" providerId="LiveId" clId="{05D1F090-1C60-4C79-B90C-805A73254C4C}" dt="2022-06-01T21:53:06.795" v="251" actId="20577"/>
-        <pc:sldMkLst>
-          <pc:docMk/>
-          <pc:sldMk cId="4156191475" sldId="285"/>
-        </pc:sldMkLst>
-        <pc:spChg chg="mod">
-          <ac:chgData name="Darryl" userId="0cd68e2995275aa1" providerId="LiveId" clId="{05D1F090-1C60-4C79-B90C-805A73254C4C}" dt="2022-06-01T21:53:06.795" v="251" actId="20577"/>
-          <ac:spMkLst>
-            <pc:docMk/>
-            <pc:sldMk cId="4156191475" sldId="285"/>
-            <ac:spMk id="3" creationId="{5FFFD21F-398B-428C-8518-8F0B6EE1F65D}"/>
-          </ac:spMkLst>
-        </pc:spChg>
-      </pc:sldChg>
-      <pc:sldChg chg="modSp mod">
-        <pc:chgData name="Darryl" userId="0cd68e2995275aa1" providerId="LiveId" clId="{05D1F090-1C60-4C79-B90C-805A73254C4C}" dt="2022-06-01T21:55:14.799" v="394" actId="20577"/>
-        <pc:sldMkLst>
-          <pc:docMk/>
-          <pc:sldMk cId="1837271489" sldId="290"/>
-        </pc:sldMkLst>
-        <pc:spChg chg="mod">
-          <ac:chgData name="Darryl" userId="0cd68e2995275aa1" providerId="LiveId" clId="{05D1F090-1C60-4C79-B90C-805A73254C4C}" dt="2022-06-01T21:55:14.799" v="394" actId="20577"/>
-          <ac:spMkLst>
-            <pc:docMk/>
-            <pc:sldMk cId="1837271489" sldId="290"/>
-            <ac:spMk id="8" creationId="{FB742ED9-E6DB-4AC7-8009-350F4D7DFE7A}"/>
-          </ac:spMkLst>
-        </pc:spChg>
-        <pc:picChg chg="mod">
-          <ac:chgData name="Darryl" userId="0cd68e2995275aa1" providerId="LiveId" clId="{05D1F090-1C60-4C79-B90C-805A73254C4C}" dt="2022-06-01T21:54:53.837" v="336" actId="14100"/>
-          <ac:picMkLst>
-            <pc:docMk/>
-            <pc:sldMk cId="1837271489" sldId="290"/>
-            <ac:picMk id="16" creationId="{5DF38717-E36F-4CF5-A164-ADD524A0B306}"/>
-          </ac:picMkLst>
-        </pc:picChg>
-      </pc:sldChg>
-    </pc:docChg>
-  </pc:docChgLst>
-  <pc:docChgLst>
-    <pc:chgData name="Darryl Rusli" userId="0cd68e2995275aa1" providerId="LiveId" clId="{6756C24B-B97E-4A50-954F-2BBC7FBE363D}"/>
-    <pc:docChg chg="modSld">
-      <pc:chgData name="Darryl Rusli" userId="0cd68e2995275aa1" providerId="LiveId" clId="{6756C24B-B97E-4A50-954F-2BBC7FBE363D}" dt="2022-05-13T04:31:00.743" v="1" actId="20577"/>
-      <pc:docMkLst>
-        <pc:docMk/>
-      </pc:docMkLst>
-      <pc:sldChg chg="modSp mod">
-        <pc:chgData name="Darryl Rusli" userId="0cd68e2995275aa1" providerId="LiveId" clId="{6756C24B-B97E-4A50-954F-2BBC7FBE363D}" dt="2022-05-13T04:31:00.743" v="1" actId="20577"/>
-        <pc:sldMkLst>
-          <pc:docMk/>
-          <pc:sldMk cId="435141664" sldId="256"/>
-        </pc:sldMkLst>
-        <pc:spChg chg="mod">
-          <ac:chgData name="Darryl Rusli" userId="0cd68e2995275aa1" providerId="LiveId" clId="{6756C24B-B97E-4A50-954F-2BBC7FBE363D}" dt="2022-05-13T04:31:00.743" v="1" actId="20577"/>
-          <ac:spMkLst>
-            <pc:docMk/>
-            <pc:sldMk cId="435141664" sldId="256"/>
-            <ac:spMk id="3" creationId="{00000000-0000-0000-0000-000000000000}"/>
-          </ac:spMkLst>
-        </pc:spChg>
-      </pc:sldChg>
-    </pc:docChg>
-  </pc:docChgLst>
-</pc:chgInfo>
 </file>
 
 <file path=ppt/diagrams/colors1.xml><?xml version="1.0" encoding="utf-8"?>
@@ -3116,7 +3040,7 @@
           <a:p>
             <a:fld id="{043B725B-653D-4166-A8E9-72A38A1847CF}" type="datetimeFigureOut">
               <a:rPr lang="en-US"/>
-              <a:t>6/2/2022</a:t>
+              <a:t>7/14/2022</a:t>
             </a:fld>
             <a:endParaRPr/>
           </a:p>
@@ -3281,7 +3205,7 @@
           <a:p>
             <a:fld id="{783F64CD-0576-4A9A-BD06-7889D6E60BDC}" type="datetimeFigureOut">
               <a:rPr lang="en-US"/>
-              <a:t>6/2/2022</a:t>
+              <a:t>7/14/2022</a:t>
             </a:fld>
             <a:endParaRPr/>
           </a:p>
@@ -3879,7 +3803,7 @@
           <a:p>
             <a:fld id="{37CC0096-1860-4642-9CD2-0079EA5E7CD1}" type="datetimeFigureOut">
               <a:rPr lang="en-US"/>
-              <a:t>6/2/2022</a:t>
+              <a:t>7/14/2022</a:t>
             </a:fld>
             <a:endParaRPr/>
           </a:p>
@@ -4128,7 +4052,7 @@
           <a:p>
             <a:fld id="{37CC0096-1860-4642-9CD2-0079EA5E7CD1}" type="datetimeFigureOut">
               <a:rPr lang="en-US"/>
-              <a:t>6/2/2022</a:t>
+              <a:t>7/14/2022</a:t>
             </a:fld>
             <a:endParaRPr/>
           </a:p>
@@ -4314,7 +4238,7 @@
           <a:p>
             <a:fld id="{37CC0096-1860-4642-9CD2-0079EA5E7CD1}" type="datetimeFigureOut">
               <a:rPr lang="en-US"/>
-              <a:t>6/2/2022</a:t>
+              <a:t>7/14/2022</a:t>
             </a:fld>
             <a:endParaRPr/>
           </a:p>
@@ -4845,7 +4769,7 @@
           <a:p>
             <a:fld id="{37CC0096-1860-4642-9CD2-0079EA5E7CD1}" type="datetimeFigureOut">
               <a:rPr lang="en-US"/>
-              <a:t>6/2/2022</a:t>
+              <a:t>7/14/2022</a:t>
             </a:fld>
             <a:endParaRPr/>
           </a:p>
@@ -5297,7 +5221,7 @@
           <a:p>
             <a:fld id="{37CC0096-1860-4642-9CD2-0079EA5E7CD1}" type="datetimeFigureOut">
               <a:rPr lang="en-US"/>
-              <a:t>6/2/2022</a:t>
+              <a:t>7/14/2022</a:t>
             </a:fld>
             <a:endParaRPr/>
           </a:p>
@@ -5427,7 +5351,7 @@
           <a:p>
             <a:fld id="{37CC0096-1860-4642-9CD2-0079EA5E7CD1}" type="datetimeFigureOut">
               <a:rPr lang="en-US"/>
-              <a:t>6/2/2022</a:t>
+              <a:t>7/14/2022</a:t>
             </a:fld>
             <a:endParaRPr/>
           </a:p>
@@ -5534,7 +5458,7 @@
           <a:p>
             <a:fld id="{37CC0096-1860-4642-9CD2-0079EA5E7CD1}" type="datetimeFigureOut">
               <a:rPr lang="en-US"/>
-              <a:t>6/2/2022</a:t>
+              <a:t>7/14/2022</a:t>
             </a:fld>
             <a:endParaRPr/>
           </a:p>
@@ -6523,7 +6447,7 @@
             <a:fld id="{37CC0096-1860-4642-9CD2-0079EA5E7CD1}" type="datetimeFigureOut">
               <a:rPr lang="en-US" smtClean="0"/>
               <a:pPr/>
-              <a:t>6/2/2022</a:t>
+              <a:t>7/14/2022</a:t>
             </a:fld>
             <a:endParaRPr lang="en-US" dirty="0"/>
           </a:p>
@@ -6999,10 +6923,9 @@
           <a:lstStyle/>
           <a:p>
             <a:r>
-              <a:rPr lang="en-US"/>
-              <a:t>Mini project</a:t>
-            </a:r>
-            <a:endParaRPr lang="en-US" dirty="0"/>
+              <a:rPr lang="en-US" dirty="0"/>
+              <a:t>Mini project 2</a:t>
+            </a:r>
           </a:p>
           <a:p>
             <a:r>
@@ -10427,7 +10350,7 @@
         </p:spPr>
         <p:txBody>
           <a:bodyPr>
-            <a:normAutofit fontScale="92500"/>
+            <a:normAutofit fontScale="85000" lnSpcReduction="10000"/>
           </a:bodyPr>
           <a:lstStyle/>
           <a:p>
@@ -10457,7 +10380,42 @@
           <a:p>
             <a:r>
               <a:rPr lang="en-AU" dirty="0"/>
-              <a:t>To reduce the chance of having stroke: you have to look after your health when you were under 60 and do not smoke</a:t>
+              <a:t>To prevent stroke, patient has to do the following </a:t>
+            </a:r>
+          </a:p>
+          <a:p>
+            <a:pPr lvl="1"/>
+            <a:r>
+              <a:rPr lang="en-AU" dirty="0"/>
+              <a:t>Check cholesterol</a:t>
+            </a:r>
+          </a:p>
+          <a:p>
+            <a:pPr lvl="1"/>
+            <a:r>
+              <a:rPr lang="en-AU" dirty="0"/>
+              <a:t>Control medical condition</a:t>
+            </a:r>
+          </a:p>
+          <a:p>
+            <a:pPr lvl="1"/>
+            <a:r>
+              <a:rPr lang="en-AU" dirty="0"/>
+              <a:t>Control Diabetes</a:t>
+            </a:r>
+          </a:p>
+          <a:p>
+            <a:pPr lvl="1"/>
+            <a:r>
+              <a:rPr lang="en-AU" dirty="0"/>
+              <a:t>Don’t smoke</a:t>
+            </a:r>
+          </a:p>
+          <a:p>
+            <a:pPr lvl="1"/>
+            <a:r>
+              <a:rPr lang="en-AU" dirty="0"/>
+              <a:t>Treat Heart Disease</a:t>
             </a:r>
           </a:p>
           <a:p>
@@ -11033,8 +10991,8 @@
         </p:nvSpPr>
         <p:spPr>
           <a:xfrm>
-            <a:off x="1066799" y="1741342"/>
-            <a:ext cx="10637754" cy="4749454"/>
+            <a:off x="1066800" y="1700808"/>
+            <a:ext cx="9144000" cy="4572001"/>
           </a:xfrm>
         </p:spPr>
         <p:txBody>
@@ -11045,31 +11003,25 @@
           <a:p>
             <a:r>
               <a:rPr lang="en-AU" sz="1600" dirty="0"/>
-              <a:t>Business Question:</a:t>
+              <a:t>Is stroke likely to happen on patient based on gender, age, any association disease like hypertension or heart disease, work type and smoking status?</a:t>
             </a:r>
           </a:p>
           <a:p>
             <a:pPr lvl="1"/>
             <a:r>
               <a:rPr lang="en-AU" sz="1400" dirty="0"/>
-              <a:t>How do you reduce the chance of </a:t>
-            </a:r>
-            <a:r>
-              <a:rPr lang="en-AU" sz="1400"/>
-              <a:t>having stroke?</a:t>
-            </a:r>
-            <a:endParaRPr lang="en-AU" sz="1400" dirty="0"/>
+              <a:t>Reason of asking question: age, gender, smoking status, and hypertension are the major risk factor.</a:t>
+            </a:r>
+          </a:p>
+          <a:p>
+            <a:r>
+              <a:rPr lang="en-AU" sz="1800" dirty="0"/>
+              <a:t>How do you prevent stroke?</a:t>
+            </a:r>
           </a:p>
           <a:p>
             <a:r>
               <a:rPr lang="en-AU" sz="1600" dirty="0"/>
-              <a:t>Data Question:</a:t>
-            </a:r>
-          </a:p>
-          <a:p>
-            <a:pPr lvl="1"/>
-            <a:r>
-              <a:rPr lang="en-AU" sz="1400" dirty="0"/>
               <a:t>What is the best predictive model to predict stroke?</a:t>
             </a:r>
           </a:p>
@@ -11090,7 +11042,7 @@
           <p:nvPr/>
         </p:nvPicPr>
         <p:blipFill>
-          <a:blip r:embed="rId2">
+          <a:blip r:embed="rId2" cstate="print">
             <a:extLst>
               <a:ext uri="{28A0092B-C50C-407E-A947-70E740481C1C}">
                 <a14:useLocalDpi xmlns:a14="http://schemas.microsoft.com/office/drawing/2010/main" val="0"/>
@@ -11103,8 +11055,8 @@
         </p:blipFill>
         <p:spPr>
           <a:xfrm>
-            <a:off x="1199456" y="3063064"/>
-            <a:ext cx="7704856" cy="3648236"/>
+            <a:off x="1199456" y="4454774"/>
+            <a:ext cx="4320480" cy="2045740"/>
           </a:xfrm>
           <a:prstGeom prst="rect">
             <a:avLst/>
